--- a/Proyecto - Infrarrojos/Proyecto - Infrarrojos Arduino.pptx
+++ b/Proyecto - Infrarrojos/Proyecto - Infrarrojos Arduino.pptx
@@ -352,7 +352,7 @@
           <a:p>
             <a:fld id="{7BE45B45-080D-40A2-8EB7-7F7C90E70E9C}" type="datetimeFigureOut">
               <a:rPr lang="en-GB" smtClean="0"/>
-              <a:t>13/12/2017</a:t>
+              <a:t>18/12/2017</a:t>
             </a:fld>
             <a:endParaRPr lang="en-GB"/>
           </a:p>
@@ -599,7 +599,7 @@
           <a:p>
             <a:fld id="{7BE45B45-080D-40A2-8EB7-7F7C90E70E9C}" type="datetimeFigureOut">
               <a:rPr lang="en-GB" smtClean="0"/>
-              <a:t>13/12/2017</a:t>
+              <a:t>18/12/2017</a:t>
             </a:fld>
             <a:endParaRPr lang="en-GB"/>
           </a:p>
@@ -834,7 +834,7 @@
           <a:p>
             <a:fld id="{7BE45B45-080D-40A2-8EB7-7F7C90E70E9C}" type="datetimeFigureOut">
               <a:rPr lang="en-GB" smtClean="0"/>
-              <a:t>13/12/2017</a:t>
+              <a:t>18/12/2017</a:t>
             </a:fld>
             <a:endParaRPr lang="en-GB"/>
           </a:p>
@@ -1064,7 +1064,7 @@
           <a:p>
             <a:fld id="{7BE45B45-080D-40A2-8EB7-7F7C90E70E9C}" type="datetimeFigureOut">
               <a:rPr lang="en-GB" smtClean="0"/>
-              <a:t>13/12/2017</a:t>
+              <a:t>18/12/2017</a:t>
             </a:fld>
             <a:endParaRPr lang="en-GB"/>
           </a:p>
@@ -1366,7 +1366,7 @@
           <a:p>
             <a:fld id="{7BE45B45-080D-40A2-8EB7-7F7C90E70E9C}" type="datetimeFigureOut">
               <a:rPr lang="en-GB" smtClean="0"/>
-              <a:t>13/12/2017</a:t>
+              <a:t>18/12/2017</a:t>
             </a:fld>
             <a:endParaRPr lang="en-GB"/>
           </a:p>
@@ -1663,7 +1663,7 @@
           <a:p>
             <a:fld id="{7BE45B45-080D-40A2-8EB7-7F7C90E70E9C}" type="datetimeFigureOut">
               <a:rPr lang="en-GB" smtClean="0"/>
-              <a:t>13/12/2017</a:t>
+              <a:t>18/12/2017</a:t>
             </a:fld>
             <a:endParaRPr lang="en-GB"/>
           </a:p>
@@ -2084,7 +2084,7 @@
           <a:p>
             <a:fld id="{7BE45B45-080D-40A2-8EB7-7F7C90E70E9C}" type="datetimeFigureOut">
               <a:rPr lang="en-GB" smtClean="0"/>
-              <a:t>13/12/2017</a:t>
+              <a:t>18/12/2017</a:t>
             </a:fld>
             <a:endParaRPr lang="en-GB"/>
           </a:p>
@@ -2241,7 +2241,7 @@
           <a:p>
             <a:fld id="{7BE45B45-080D-40A2-8EB7-7F7C90E70E9C}" type="datetimeFigureOut">
               <a:rPr lang="en-GB" smtClean="0"/>
-              <a:t>13/12/2017</a:t>
+              <a:t>18/12/2017</a:t>
             </a:fld>
             <a:endParaRPr lang="en-GB"/>
           </a:p>
@@ -2336,7 +2336,7 @@
           <a:p>
             <a:fld id="{7BE45B45-080D-40A2-8EB7-7F7C90E70E9C}" type="datetimeFigureOut">
               <a:rPr lang="en-GB" smtClean="0"/>
-              <a:t>13/12/2017</a:t>
+              <a:t>18/12/2017</a:t>
             </a:fld>
             <a:endParaRPr lang="en-GB"/>
           </a:p>
@@ -2714,7 +2714,7 @@
           <a:p>
             <a:fld id="{7BE45B45-080D-40A2-8EB7-7F7C90E70E9C}" type="datetimeFigureOut">
               <a:rPr lang="en-GB" smtClean="0"/>
-              <a:t>13/12/2017</a:t>
+              <a:t>18/12/2017</a:t>
             </a:fld>
             <a:endParaRPr lang="en-GB"/>
           </a:p>
@@ -3003,7 +3003,7 @@
           <a:p>
             <a:fld id="{7BE45B45-080D-40A2-8EB7-7F7C90E70E9C}" type="datetimeFigureOut">
               <a:rPr lang="en-GB" smtClean="0"/>
-              <a:t>13/12/2017</a:t>
+              <a:t>18/12/2017</a:t>
             </a:fld>
             <a:endParaRPr lang="en-GB"/>
           </a:p>
@@ -3214,7 +3214,7 @@
           <a:p>
             <a:fld id="{7BE45B45-080D-40A2-8EB7-7F7C90E70E9C}" type="datetimeFigureOut">
               <a:rPr lang="en-GB" smtClean="0"/>
-              <a:t>13/12/2017</a:t>
+              <a:t>18/12/2017</a:t>
             </a:fld>
             <a:endParaRPr lang="en-GB"/>
           </a:p>
@@ -4176,13 +4176,8 @@
             <a:pPr algn="ctr"/>
             <a:r>
               <a:rPr lang="es-ES" sz="1800" dirty="0" smtClean="0"/>
-              <a:t>Ejemplo: 10000110 11000110 10011000 </a:t>
-            </a:r>
-            <a:r>
-              <a:rPr lang="es-ES" sz="1800" dirty="0" smtClean="0"/>
-              <a:t>01100111</a:t>
-            </a:r>
-            <a:endParaRPr lang="es-ES" sz="1800" dirty="0" smtClean="0"/>
+              <a:t>Ejemplo: 10000110 11000110 10011000 01100111</a:t>
+            </a:r>
           </a:p>
         </p:txBody>
       </p:sp>
@@ -4284,19 +4279,26 @@
             <a:pPr algn="ctr"/>
             <a:r>
               <a:rPr lang="es-ES" sz="1800" dirty="0" smtClean="0"/>
-              <a:t>Redundancia en los 8 bits menos significativos del código de </a:t>
-            </a:r>
+              <a:t>Redundancia en los 8 bits menos significativos del código de datos invirtiendo el código original.</a:t>
+            </a:r>
+          </a:p>
+          <a:p>
+            <a:pPr algn="ctr"/>
             <a:r>
               <a:rPr lang="es-ES" sz="1800" dirty="0" smtClean="0"/>
-              <a:t>datos invirtiendo el código original.</a:t>
-            </a:r>
-            <a:endParaRPr lang="es-ES" sz="1800" dirty="0" smtClean="0"/>
-          </a:p>
-          <a:p>
-            <a:pPr algn="ctr"/>
+              <a:t>Permite detectar errores en la transmisión, de </a:t>
+            </a:r>
+            <a:r>
+              <a:rPr lang="es-ES" sz="1800" smtClean="0"/>
+              <a:t>modo </a:t>
+            </a:r>
+            <a:r>
+              <a:rPr lang="es-ES" sz="1800" smtClean="0"/>
+              <a:t>que no </a:t>
+            </a:r>
             <a:r>
               <a:rPr lang="es-ES" sz="1800" dirty="0" smtClean="0"/>
-              <a:t>Permite detectar errores en la transmisión, de modo que se no se realice el tratamiento del código recibido si esto ocurre.</a:t>
+              <a:t>se realice el tratamiento del código recibido si esto ocurre.</a:t>
             </a:r>
             <a:endParaRPr lang="es-ES" sz="1800" dirty="0"/>
           </a:p>
